--- a/workshop/2020-04-03-FSC-Model.pptx
+++ b/workshop/2020-04-03-FSC-Model.pptx
@@ -6244,7 +6244,7 @@
           <a:graphicData uri="http://schemas.openxmlformats.org/presentationml/2006/ole">
             <mc:AlternateContent xmlns:mc="http://schemas.openxmlformats.org/markup-compatibility/2006">
               <mc:Choice xmlns:v="urn:schemas-microsoft-com:vml" Requires="v">
-                <p:oleObj spid="_x0000_s1103" name="Equation" r:id="rId3" imgW="711000" imgH="1168200" progId="Equation.DSMT4">
+                <p:oleObj spid="_x0000_s1105" name="Equation" r:id="rId3" imgW="711000" imgH="1168200" progId="Equation.DSMT4">
                   <p:embed/>
                 </p:oleObj>
               </mc:Choice>
@@ -7307,7 +7307,7 @@
         </p:nvCxnSpPr>
         <p:spPr>
           <a:xfrm flipV="1">
-            <a:off x="6876256" y="1815858"/>
+            <a:off x="7752672" y="1097016"/>
             <a:ext cx="0" cy="911100"/>
           </a:xfrm>
           <a:prstGeom prst="straightConnector1">
@@ -7315,7 +7315,7 @@
           </a:prstGeom>
           <a:ln w="19050">
             <a:solidFill>
-              <a:srgbClr val="FF0000"/>
+              <a:srgbClr val="00B050"/>
             </a:solidFill>
             <a:tailEnd type="triangle" w="lg" len="lg"/>
           </a:ln>
@@ -7351,7 +7351,7 @@
         </p:nvCxnSpPr>
         <p:spPr>
           <a:xfrm>
-            <a:off x="6876256" y="2852968"/>
+            <a:off x="7752672" y="2134126"/>
             <a:ext cx="936104" cy="0"/>
           </a:xfrm>
           <a:prstGeom prst="straightConnector1">
@@ -7359,7 +7359,7 @@
           </a:prstGeom>
           <a:ln w="19050">
             <a:solidFill>
-              <a:srgbClr val="00B050"/>
+              <a:srgbClr val="0070C0"/>
             </a:solidFill>
             <a:headEnd type="none" w="lg" len="lg"/>
             <a:tailEnd type="triangle" w="lg" len="lg"/>
@@ -7395,8 +7395,8 @@
           <p:nvPr/>
         </p:nvCxnSpPr>
         <p:spPr>
-          <a:xfrm flipV="1">
-            <a:off x="6876256" y="2452053"/>
+          <a:xfrm flipH="1">
+            <a:off x="7299165" y="2070935"/>
             <a:ext cx="468052" cy="382986"/>
           </a:xfrm>
           <a:prstGeom prst="straightConnector1">
@@ -7404,7 +7404,7 @@
           </a:prstGeom>
           <a:ln w="19050">
             <a:solidFill>
-              <a:srgbClr val="0070C0"/>
+              <a:srgbClr val="FF0000"/>
             </a:solidFill>
             <a:tailEnd type="triangle" w="lg" len="lg"/>
           </a:ln>
@@ -7454,7 +7454,7 @@
           <a:p>
             <a:r>
               <a:rPr lang="en-US" altLang="ja-JP" dirty="0"/>
-              <a:t>x = -v</a:t>
+              <a:t>y = -v</a:t>
             </a:r>
             <a:endParaRPr kumimoji="1" lang="ja-JP" altLang="en-US" dirty="0"/>
           </a:p>
@@ -7474,8 +7474,8 @@
         </p:nvSpPr>
         <p:spPr>
           <a:xfrm>
-            <a:off x="7684004" y="2886057"/>
-            <a:ext cx="691215" cy="369332"/>
+            <a:off x="7084648" y="1930492"/>
+            <a:ext cx="300082" cy="369332"/>
           </a:xfrm>
           <a:prstGeom prst="rect">
             <a:avLst/>
@@ -7490,7 +7490,7 @@
           <a:p>
             <a:r>
               <a:rPr lang="en-US" altLang="ja-JP" dirty="0"/>
-              <a:t>y = u</a:t>
+              <a:t>x</a:t>
             </a:r>
             <a:endParaRPr kumimoji="1" lang="ja-JP" altLang="en-US" dirty="0"/>
           </a:p>
@@ -7510,8 +7510,8 @@
         </p:nvSpPr>
         <p:spPr>
           <a:xfrm>
-            <a:off x="6590719" y="2886057"/>
-            <a:ext cx="300082" cy="369332"/>
+            <a:off x="8017081" y="1700989"/>
+            <a:ext cx="691215" cy="369332"/>
           </a:xfrm>
           <a:prstGeom prst="rect">
             <a:avLst/>
@@ -7526,7 +7526,7 @@
           <a:p>
             <a:r>
               <a:rPr lang="en-US" altLang="ja-JP" dirty="0"/>
-              <a:t>z</a:t>
+              <a:t>z = u</a:t>
             </a:r>
             <a:endParaRPr kumimoji="1" lang="ja-JP" altLang="en-US" dirty="0"/>
           </a:p>
@@ -8460,7 +8460,7 @@
           <a:graphicData uri="http://schemas.openxmlformats.org/presentationml/2006/ole">
             <mc:AlternateContent xmlns:mc="http://schemas.openxmlformats.org/markup-compatibility/2006">
               <mc:Choice xmlns:v="urn:schemas-microsoft-com:vml" Requires="v">
-                <p:oleObj spid="_x0000_s2086" name="Equation" r:id="rId3" imgW="1688760" imgH="1091880" progId="Equation.DSMT4">
+                <p:oleObj spid="_x0000_s2088" name="Equation" r:id="rId3" imgW="1688760" imgH="1091880" progId="Equation.DSMT4">
                   <p:embed/>
                 </p:oleObj>
               </mc:Choice>
@@ -8768,7 +8768,7 @@
           <a:graphicData uri="http://schemas.openxmlformats.org/presentationml/2006/ole">
             <mc:AlternateContent xmlns:mc="http://schemas.openxmlformats.org/markup-compatibility/2006">
               <mc:Choice xmlns:v="urn:schemas-microsoft-com:vml" Requires="v">
-                <p:oleObj spid="_x0000_s3137" name="Equation" r:id="rId3" imgW="3543120" imgH="2539800" progId="Equation.DSMT4">
+                <p:oleObj spid="_x0000_s3141" name="Equation" r:id="rId3" imgW="3543120" imgH="2539800" progId="Equation.DSMT4">
                   <p:embed/>
                 </p:oleObj>
               </mc:Choice>
@@ -8889,7 +8889,7 @@
           <a:graphicData uri="http://schemas.openxmlformats.org/presentationml/2006/ole">
             <mc:AlternateContent xmlns:mc="http://schemas.openxmlformats.org/markup-compatibility/2006">
               <mc:Choice xmlns:v="urn:schemas-microsoft-com:vml" Requires="v">
-                <p:oleObj spid="_x0000_s3138" name="Equation" r:id="rId5" imgW="1688760" imgH="1091880" progId="Equation.DSMT4">
+                <p:oleObj spid="_x0000_s3142" name="Equation" r:id="rId5" imgW="1688760" imgH="1091880" progId="Equation.DSMT4">
                   <p:embed/>
                 </p:oleObj>
               </mc:Choice>
@@ -9145,8 +9145,12 @@
               <a:t>Dq1</a:t>
             </a:r>
             <a:r>
+              <a:rPr kumimoji="1" lang="ja-JP" altLang="en-US" sz="2400"/>
+              <a:t>を十億分</a:t>
+            </a:r>
+            <a:r>
               <a:rPr kumimoji="1" lang="ja-JP" altLang="en-US" sz="2400" dirty="0"/>
-              <a:t>を百万分の一として計算）</a:t>
+              <a:t>の一として計算）</a:t>
             </a:r>
             <a:endParaRPr kumimoji="1" lang="en-US" altLang="ja-JP" sz="2400" dirty="0"/>
           </a:p>
@@ -9616,7 +9620,7 @@
           <a:graphicData uri="http://schemas.openxmlformats.org/presentationml/2006/ole">
             <mc:AlternateContent xmlns:mc="http://schemas.openxmlformats.org/markup-compatibility/2006">
               <mc:Choice xmlns:v="urn:schemas-microsoft-com:vml" Requires="v">
-                <p:oleObj spid="_x0000_s4115" name="Equation" r:id="rId3" imgW="3759120" imgH="469800" progId="Equation.DSMT4">
+                <p:oleObj spid="_x0000_s4117" name="Equation" r:id="rId3" imgW="3759120" imgH="469800" progId="Equation.DSMT4">
                   <p:embed/>
                 </p:oleObj>
               </mc:Choice>
